--- a/rs kannan naan mudhalvan project 2.pptx
+++ b/rs kannan naan mudhalvan project 2.pptx
@@ -137,6 +137,35 @@
 </p:presentation>
 </file>
 
+<file path=ppt/changesInfos/changesInfo1.xml><?xml version="1.0" encoding="utf-8"?>
+<pc:chgInfo xmlns:a="http://schemas.openxmlformats.org/drawingml/2006/main" xmlns:r="http://schemas.openxmlformats.org/officeDocument/2006/relationships" xmlns:ac="http://schemas.microsoft.com/office/drawing/2013/main/command" xmlns:pc="http://schemas.microsoft.com/office/powerpoint/2013/main/command">
+  <pc:docChgLst>
+    <pc:chgData name="Konduru Narasimha" userId="bd3f5b018a89079d" providerId="LiveId" clId="{69F0B7B8-A48D-48FD-8D34-6509FC35AB36}"/>
+    <pc:docChg chg="modSld">
+      <pc:chgData name="Konduru Narasimha" userId="bd3f5b018a89079d" providerId="LiveId" clId="{69F0B7B8-A48D-48FD-8D34-6509FC35AB36}" dt="2024-03-30T14:42:22.571" v="0" actId="1076"/>
+      <pc:docMkLst>
+        <pc:docMk/>
+      </pc:docMkLst>
+      <pc:sldChg chg="modSp mod">
+        <pc:chgData name="Konduru Narasimha" userId="bd3f5b018a89079d" providerId="LiveId" clId="{69F0B7B8-A48D-48FD-8D34-6509FC35AB36}" dt="2024-03-30T14:42:22.571" v="0" actId="1076"/>
+        <pc:sldMkLst>
+          <pc:docMk/>
+          <pc:sldMk cId="0" sldId="265"/>
+        </pc:sldMkLst>
+        <pc:picChg chg="mod">
+          <ac:chgData name="Konduru Narasimha" userId="bd3f5b018a89079d" providerId="LiveId" clId="{69F0B7B8-A48D-48FD-8D34-6509FC35AB36}" dt="2024-03-30T14:42:22.571" v="0" actId="1076"/>
+          <ac:picMkLst>
+            <pc:docMk/>
+            <pc:sldMk cId="0" sldId="265"/>
+            <ac:picMk id="13" creationId="{FEA2EDFA-59A4-12BC-EED8-7AFB8BE2180E}"/>
+          </ac:picMkLst>
+        </pc:picChg>
+      </pc:sldChg>
+    </pc:docChg>
+  </pc:docChgLst>
+</pc:chgInfo>
+</file>
+
 <file path=ppt/notesMasters/notesMaster1.xml><?xml version="1.0" encoding="utf-8"?>
 <p:notesMaster xmlns:a="http://schemas.openxmlformats.org/drawingml/2006/main" xmlns:r="http://schemas.openxmlformats.org/officeDocument/2006/relationships" xmlns:p="http://schemas.openxmlformats.org/presentationml/2006/main">
   <p:cSld>
@@ -219,7 +248,7 @@
           <a:p>
             <a:fld id="{84B86612-B127-4CD0-BF15-66D49A7175F7}" type="datetimeFigureOut">
               <a:rPr lang="en-IN" smtClean="0"/>
-              <a:t>09-09-2024</a:t>
+              <a:t>10-09-2024</a:t>
             </a:fld>
             <a:endParaRPr lang="en-IN"/>
           </a:p>
@@ -703,7 +732,7 @@
           </a:lstStyle>
           <a:p>
             <a:r>
-              <a:rPr lang="en-US"/>
+              <a:rPr lang="en-US" smtClean="0"/>
               <a:t>Click to edit Master title style</a:t>
             </a:r>
             <a:endParaRPr lang="en-US" dirty="0"/>
@@ -775,7 +804,7 @@
           </a:lstStyle>
           <a:p>
             <a:r>
-              <a:rPr lang="en-US"/>
+              <a:rPr lang="en-US" smtClean="0"/>
               <a:t>Click to edit Master subtitle style</a:t>
             </a:r>
             <a:endParaRPr lang="en-US" dirty="0"/>
@@ -799,7 +828,7 @@
           <a:p>
             <a:fld id="{1D8BD707-D9CF-40AE-B4C6-C98DA3205C09}" type="datetimeFigureOut">
               <a:rPr lang="en-US" smtClean="0"/>
-              <a:t>9/9/2024</a:t>
+              <a:t>9/10/2024</a:t>
             </a:fld>
             <a:endParaRPr lang="en-US"/>
           </a:p>
@@ -939,7 +968,7 @@
           <a:lstStyle/>
           <a:p>
             <a:r>
-              <a:rPr lang="en-US"/>
+              <a:rPr lang="en-US" smtClean="0"/>
               <a:t>Click to edit Master title style</a:t>
             </a:r>
             <a:endParaRPr lang="en-US" dirty="0"/>
@@ -963,35 +992,35 @@
           <a:p>
             <a:pPr lvl="0"/>
             <a:r>
-              <a:rPr lang="en-US"/>
+              <a:rPr lang="en-US" smtClean="0"/>
               <a:t>Edit Master text styles</a:t>
             </a:r>
           </a:p>
           <a:p>
             <a:pPr lvl="1"/>
             <a:r>
-              <a:rPr lang="en-US"/>
+              <a:rPr lang="en-US" smtClean="0"/>
               <a:t>Second level</a:t>
             </a:r>
           </a:p>
           <a:p>
             <a:pPr lvl="2"/>
             <a:r>
-              <a:rPr lang="en-US"/>
+              <a:rPr lang="en-US" smtClean="0"/>
               <a:t>Third level</a:t>
             </a:r>
           </a:p>
           <a:p>
             <a:pPr lvl="3"/>
             <a:r>
-              <a:rPr lang="en-US"/>
+              <a:rPr lang="en-US" smtClean="0"/>
               <a:t>Fourth level</a:t>
             </a:r>
           </a:p>
           <a:p>
             <a:pPr lvl="4"/>
             <a:r>
-              <a:rPr lang="en-US"/>
+              <a:rPr lang="en-US" smtClean="0"/>
               <a:t>Fifth level</a:t>
             </a:r>
             <a:endParaRPr lang="en-US" dirty="0"/>
@@ -1015,7 +1044,7 @@
           <a:p>
             <a:fld id="{1D8BD707-D9CF-40AE-B4C6-C98DA3205C09}" type="datetimeFigureOut">
               <a:rPr lang="en-US" smtClean="0"/>
-              <a:t>9/9/2024</a:t>
+              <a:t>9/10/2024</a:t>
             </a:fld>
             <a:endParaRPr lang="en-US"/>
           </a:p>
@@ -1200,7 +1229,7 @@
           <a:lstStyle/>
           <a:p>
             <a:r>
-              <a:rPr lang="en-US"/>
+              <a:rPr lang="en-US" smtClean="0"/>
               <a:t>Click to edit Master title style</a:t>
             </a:r>
             <a:endParaRPr lang="en-US" dirty="0"/>
@@ -1229,35 +1258,35 @@
           <a:p>
             <a:pPr lvl="0"/>
             <a:r>
-              <a:rPr lang="en-US"/>
+              <a:rPr lang="en-US" smtClean="0"/>
               <a:t>Edit Master text styles</a:t>
             </a:r>
           </a:p>
           <a:p>
             <a:pPr lvl="1"/>
             <a:r>
-              <a:rPr lang="en-US"/>
+              <a:rPr lang="en-US" smtClean="0"/>
               <a:t>Second level</a:t>
             </a:r>
           </a:p>
           <a:p>
             <a:pPr lvl="2"/>
             <a:r>
-              <a:rPr lang="en-US"/>
+              <a:rPr lang="en-US" smtClean="0"/>
               <a:t>Third level</a:t>
             </a:r>
           </a:p>
           <a:p>
             <a:pPr lvl="3"/>
             <a:r>
-              <a:rPr lang="en-US"/>
+              <a:rPr lang="en-US" smtClean="0"/>
               <a:t>Fourth level</a:t>
             </a:r>
           </a:p>
           <a:p>
             <a:pPr lvl="4"/>
             <a:r>
-              <a:rPr lang="en-US"/>
+              <a:rPr lang="en-US" smtClean="0"/>
               <a:t>Fifth level</a:t>
             </a:r>
             <a:endParaRPr lang="en-US" dirty="0"/>
@@ -1281,7 +1310,7 @@
           <a:p>
             <a:fld id="{1D8BD707-D9CF-40AE-B4C6-C98DA3205C09}" type="datetimeFigureOut">
               <a:rPr lang="en-US" smtClean="0"/>
-              <a:t>9/9/2024</a:t>
+              <a:t>9/10/2024</a:t>
             </a:fld>
             <a:endParaRPr lang="en-US"/>
           </a:p>
@@ -1383,7 +1412,7 @@
           <a:lstStyle/>
           <a:p>
             <a:r>
-              <a:rPr lang="en-US"/>
+              <a:rPr lang="en-US" smtClean="0"/>
               <a:t>Click to edit Master title style</a:t>
             </a:r>
             <a:endParaRPr lang="en-US" dirty="0"/>
@@ -1407,35 +1436,35 @@
           <a:p>
             <a:pPr lvl="0"/>
             <a:r>
-              <a:rPr lang="en-US"/>
+              <a:rPr lang="en-US" smtClean="0"/>
               <a:t>Edit Master text styles</a:t>
             </a:r>
           </a:p>
           <a:p>
             <a:pPr lvl="1"/>
             <a:r>
-              <a:rPr lang="en-US"/>
+              <a:rPr lang="en-US" smtClean="0"/>
               <a:t>Second level</a:t>
             </a:r>
           </a:p>
           <a:p>
             <a:pPr lvl="2"/>
             <a:r>
-              <a:rPr lang="en-US"/>
+              <a:rPr lang="en-US" smtClean="0"/>
               <a:t>Third level</a:t>
             </a:r>
           </a:p>
           <a:p>
             <a:pPr lvl="3"/>
             <a:r>
-              <a:rPr lang="en-US"/>
+              <a:rPr lang="en-US" smtClean="0"/>
               <a:t>Fourth level</a:t>
             </a:r>
           </a:p>
           <a:p>
             <a:pPr lvl="4"/>
             <a:r>
-              <a:rPr lang="en-US"/>
+              <a:rPr lang="en-US" smtClean="0"/>
               <a:t>Fifth level</a:t>
             </a:r>
             <a:endParaRPr lang="en-US" dirty="0"/>
@@ -1459,7 +1488,7 @@
           <a:p>
             <a:fld id="{1D8BD707-D9CF-40AE-B4C6-C98DA3205C09}" type="datetimeFigureOut">
               <a:rPr lang="en-US" smtClean="0"/>
-              <a:t>9/9/2024</a:t>
+              <a:t>9/10/2024</a:t>
             </a:fld>
             <a:endParaRPr lang="en-US"/>
           </a:p>
@@ -1660,7 +1689,7 @@
           </a:lstStyle>
           <a:p>
             <a:r>
-              <a:rPr lang="en-US"/>
+              <a:rPr lang="en-US" smtClean="0"/>
               <a:t>Click to edit Master title style</a:t>
             </a:r>
             <a:endParaRPr lang="en-US" dirty="0"/>
@@ -1781,7 +1810,7 @@
           <a:p>
             <a:pPr lvl="0"/>
             <a:r>
-              <a:rPr lang="en-US"/>
+              <a:rPr lang="en-US" smtClean="0"/>
               <a:t>Edit Master text styles</a:t>
             </a:r>
           </a:p>
@@ -1804,7 +1833,7 @@
           <a:p>
             <a:fld id="{1D8BD707-D9CF-40AE-B4C6-C98DA3205C09}" type="datetimeFigureOut">
               <a:rPr lang="en-US" smtClean="0"/>
-              <a:t>9/9/2024</a:t>
+              <a:t>9/10/2024</a:t>
             </a:fld>
             <a:endParaRPr lang="en-US"/>
           </a:p>
@@ -1949,7 +1978,7 @@
           <a:lstStyle/>
           <a:p>
             <a:r>
-              <a:rPr lang="en-US"/>
+              <a:rPr lang="en-US" smtClean="0"/>
               <a:t>Click to edit Master title style</a:t>
             </a:r>
             <a:endParaRPr lang="en-US" dirty="0"/>
@@ -1978,35 +2007,35 @@
           <a:p>
             <a:pPr lvl="0"/>
             <a:r>
-              <a:rPr lang="en-US"/>
+              <a:rPr lang="en-US" smtClean="0"/>
               <a:t>Edit Master text styles</a:t>
             </a:r>
           </a:p>
           <a:p>
             <a:pPr lvl="1"/>
             <a:r>
-              <a:rPr lang="en-US"/>
+              <a:rPr lang="en-US" smtClean="0"/>
               <a:t>Second level</a:t>
             </a:r>
           </a:p>
           <a:p>
             <a:pPr lvl="2"/>
             <a:r>
-              <a:rPr lang="en-US"/>
+              <a:rPr lang="en-US" smtClean="0"/>
               <a:t>Third level</a:t>
             </a:r>
           </a:p>
           <a:p>
             <a:pPr lvl="3"/>
             <a:r>
-              <a:rPr lang="en-US"/>
+              <a:rPr lang="en-US" smtClean="0"/>
               <a:t>Fourth level</a:t>
             </a:r>
           </a:p>
           <a:p>
             <a:pPr lvl="4"/>
             <a:r>
-              <a:rPr lang="en-US"/>
+              <a:rPr lang="en-US" smtClean="0"/>
               <a:t>Fifth level</a:t>
             </a:r>
             <a:endParaRPr lang="en-US" dirty="0"/>
@@ -2035,35 +2064,35 @@
           <a:p>
             <a:pPr lvl="0"/>
             <a:r>
-              <a:rPr lang="en-US"/>
+              <a:rPr lang="en-US" smtClean="0"/>
               <a:t>Edit Master text styles</a:t>
             </a:r>
           </a:p>
           <a:p>
             <a:pPr lvl="1"/>
             <a:r>
-              <a:rPr lang="en-US"/>
+              <a:rPr lang="en-US" smtClean="0"/>
               <a:t>Second level</a:t>
             </a:r>
           </a:p>
           <a:p>
             <a:pPr lvl="2"/>
             <a:r>
-              <a:rPr lang="en-US"/>
+              <a:rPr lang="en-US" smtClean="0"/>
               <a:t>Third level</a:t>
             </a:r>
           </a:p>
           <a:p>
             <a:pPr lvl="3"/>
             <a:r>
-              <a:rPr lang="en-US"/>
+              <a:rPr lang="en-US" smtClean="0"/>
               <a:t>Fourth level</a:t>
             </a:r>
           </a:p>
           <a:p>
             <a:pPr lvl="4"/>
             <a:r>
-              <a:rPr lang="en-US"/>
+              <a:rPr lang="en-US" smtClean="0"/>
               <a:t>Fifth level</a:t>
             </a:r>
             <a:endParaRPr lang="en-US" dirty="0"/>
@@ -2087,7 +2116,7 @@
           <a:p>
             <a:fld id="{1D8BD707-D9CF-40AE-B4C6-C98DA3205C09}" type="datetimeFigureOut">
               <a:rPr lang="en-US" smtClean="0"/>
-              <a:t>9/9/2024</a:t>
+              <a:t>9/10/2024</a:t>
             </a:fld>
             <a:endParaRPr lang="en-US"/>
           </a:p>
@@ -2194,7 +2223,7 @@
           <a:lstStyle/>
           <a:p>
             <a:r>
-              <a:rPr lang="en-US"/>
+              <a:rPr lang="en-US" smtClean="0"/>
               <a:t>Click to edit Master title style</a:t>
             </a:r>
             <a:endParaRPr lang="en-US" dirty="0"/>
@@ -2266,7 +2295,7 @@
           <a:p>
             <a:pPr lvl="0"/>
             <a:r>
-              <a:rPr lang="en-US"/>
+              <a:rPr lang="en-US" smtClean="0"/>
               <a:t>Edit Master text styles</a:t>
             </a:r>
           </a:p>
@@ -2294,35 +2323,35 @@
           <a:p>
             <a:pPr lvl="0"/>
             <a:r>
-              <a:rPr lang="en-US"/>
+              <a:rPr lang="en-US" smtClean="0"/>
               <a:t>Edit Master text styles</a:t>
             </a:r>
           </a:p>
           <a:p>
             <a:pPr lvl="1"/>
             <a:r>
-              <a:rPr lang="en-US"/>
+              <a:rPr lang="en-US" smtClean="0"/>
               <a:t>Second level</a:t>
             </a:r>
           </a:p>
           <a:p>
             <a:pPr lvl="2"/>
             <a:r>
-              <a:rPr lang="en-US"/>
+              <a:rPr lang="en-US" smtClean="0"/>
               <a:t>Third level</a:t>
             </a:r>
           </a:p>
           <a:p>
             <a:pPr lvl="3"/>
             <a:r>
-              <a:rPr lang="en-US"/>
+              <a:rPr lang="en-US" smtClean="0"/>
               <a:t>Fourth level</a:t>
             </a:r>
           </a:p>
           <a:p>
             <a:pPr lvl="4"/>
             <a:r>
-              <a:rPr lang="en-US"/>
+              <a:rPr lang="en-US" smtClean="0"/>
               <a:t>Fifth level</a:t>
             </a:r>
             <a:endParaRPr lang="en-US" dirty="0"/>
@@ -2394,7 +2423,7 @@
           <a:p>
             <a:pPr lvl="0"/>
             <a:r>
-              <a:rPr lang="en-US"/>
+              <a:rPr lang="en-US" smtClean="0"/>
               <a:t>Edit Master text styles</a:t>
             </a:r>
           </a:p>
@@ -2422,35 +2451,35 @@
           <a:p>
             <a:pPr lvl="0"/>
             <a:r>
-              <a:rPr lang="en-US"/>
+              <a:rPr lang="en-US" smtClean="0"/>
               <a:t>Edit Master text styles</a:t>
             </a:r>
           </a:p>
           <a:p>
             <a:pPr lvl="1"/>
             <a:r>
-              <a:rPr lang="en-US"/>
+              <a:rPr lang="en-US" smtClean="0"/>
               <a:t>Second level</a:t>
             </a:r>
           </a:p>
           <a:p>
             <a:pPr lvl="2"/>
             <a:r>
-              <a:rPr lang="en-US"/>
+              <a:rPr lang="en-US" smtClean="0"/>
               <a:t>Third level</a:t>
             </a:r>
           </a:p>
           <a:p>
             <a:pPr lvl="3"/>
             <a:r>
-              <a:rPr lang="en-US"/>
+              <a:rPr lang="en-US" smtClean="0"/>
               <a:t>Fourth level</a:t>
             </a:r>
           </a:p>
           <a:p>
             <a:pPr lvl="4"/>
             <a:r>
-              <a:rPr lang="en-US"/>
+              <a:rPr lang="en-US" smtClean="0"/>
               <a:t>Fifth level</a:t>
             </a:r>
             <a:endParaRPr lang="en-US" dirty="0"/>
@@ -2474,7 +2503,7 @@
           <a:p>
             <a:fld id="{1D8BD707-D9CF-40AE-B4C6-C98DA3205C09}" type="datetimeFigureOut">
               <a:rPr lang="en-US" smtClean="0"/>
-              <a:t>9/9/2024</a:t>
+              <a:t>9/10/2024</a:t>
             </a:fld>
             <a:endParaRPr lang="en-US"/>
           </a:p>
@@ -2576,7 +2605,7 @@
           <a:lstStyle/>
           <a:p>
             <a:r>
-              <a:rPr lang="en-US"/>
+              <a:rPr lang="en-US" smtClean="0"/>
               <a:t>Click to edit Master title style</a:t>
             </a:r>
             <a:endParaRPr lang="en-US" dirty="0"/>
@@ -2600,7 +2629,7 @@
           <a:p>
             <a:fld id="{1D8BD707-D9CF-40AE-B4C6-C98DA3205C09}" type="datetimeFigureOut">
               <a:rPr lang="en-US" smtClean="0"/>
-              <a:t>9/9/2024</a:t>
+              <a:t>9/10/2024</a:t>
             </a:fld>
             <a:endParaRPr lang="en-US"/>
           </a:p>
@@ -2781,7 +2810,7 @@
           <a:p>
             <a:fld id="{1D8BD707-D9CF-40AE-B4C6-C98DA3205C09}" type="datetimeFigureOut">
               <a:rPr lang="en-US" smtClean="0"/>
-              <a:t>9/9/2024</a:t>
+              <a:t>9/10/2024</a:t>
             </a:fld>
             <a:endParaRPr lang="en-US"/>
           </a:p>
@@ -2984,7 +3013,7 @@
           </a:lstStyle>
           <a:p>
             <a:r>
-              <a:rPr lang="en-US"/>
+              <a:rPr lang="en-US" smtClean="0"/>
               <a:t>Click to edit Master title style</a:t>
             </a:r>
             <a:endParaRPr lang="en-US" dirty="0"/>
@@ -3013,35 +3042,35 @@
           <a:p>
             <a:pPr lvl="0"/>
             <a:r>
-              <a:rPr lang="en-US"/>
+              <a:rPr lang="en-US" smtClean="0"/>
               <a:t>Edit Master text styles</a:t>
             </a:r>
           </a:p>
           <a:p>
             <a:pPr lvl="1"/>
             <a:r>
-              <a:rPr lang="en-US"/>
+              <a:rPr lang="en-US" smtClean="0"/>
               <a:t>Second level</a:t>
             </a:r>
           </a:p>
           <a:p>
             <a:pPr lvl="2"/>
             <a:r>
-              <a:rPr lang="en-US"/>
+              <a:rPr lang="en-US" smtClean="0"/>
               <a:t>Third level</a:t>
             </a:r>
           </a:p>
           <a:p>
             <a:pPr lvl="3"/>
             <a:r>
-              <a:rPr lang="en-US"/>
+              <a:rPr lang="en-US" smtClean="0"/>
               <a:t>Fourth level</a:t>
             </a:r>
           </a:p>
           <a:p>
             <a:pPr lvl="4"/>
             <a:r>
-              <a:rPr lang="en-US"/>
+              <a:rPr lang="en-US" smtClean="0"/>
               <a:t>Fifth level</a:t>
             </a:r>
             <a:endParaRPr lang="en-US" dirty="0"/>
@@ -3113,7 +3142,7 @@
           <a:p>
             <a:pPr lvl="0"/>
             <a:r>
-              <a:rPr lang="en-US"/>
+              <a:rPr lang="en-US" smtClean="0"/>
               <a:t>Edit Master text styles</a:t>
             </a:r>
           </a:p>
@@ -3145,7 +3174,7 @@
           <a:p>
             <a:fld id="{1D8BD707-D9CF-40AE-B4C6-C98DA3205C09}" type="datetimeFigureOut">
               <a:rPr lang="en-US" smtClean="0"/>
-              <a:t>9/9/2024</a:t>
+              <a:t>9/10/2024</a:t>
             </a:fld>
             <a:endParaRPr lang="en-US"/>
           </a:p>
@@ -3361,7 +3390,7 @@
           </a:lstStyle>
           <a:p>
             <a:r>
-              <a:rPr lang="en-US"/>
+              <a:rPr lang="en-US" smtClean="0"/>
               <a:t>Click to edit Master title style</a:t>
             </a:r>
             <a:endParaRPr lang="en-US" dirty="0"/>
@@ -3431,7 +3460,7 @@
           </a:lstStyle>
           <a:p>
             <a:r>
-              <a:rPr lang="en-US"/>
+              <a:rPr lang="en-US" smtClean="0"/>
               <a:t>Click icon to add picture</a:t>
             </a:r>
             <a:endParaRPr lang="en-US" dirty="0"/>
@@ -3509,7 +3538,7 @@
           <a:p>
             <a:pPr lvl="0"/>
             <a:r>
-              <a:rPr lang="en-US"/>
+              <a:rPr lang="en-US" smtClean="0"/>
               <a:t>Edit Master text styles</a:t>
             </a:r>
           </a:p>
@@ -3532,7 +3561,7 @@
           <a:p>
             <a:fld id="{1D8BD707-D9CF-40AE-B4C6-C98DA3205C09}" type="datetimeFigureOut">
               <a:rPr lang="en-US" smtClean="0"/>
-              <a:t>9/9/2024</a:t>
+              <a:t>9/10/2024</a:t>
             </a:fld>
             <a:endParaRPr lang="en-US"/>
           </a:p>
@@ -3727,7 +3756,7 @@
           <a:lstStyle/>
           <a:p>
             <a:r>
-              <a:rPr lang="en-US"/>
+              <a:rPr lang="en-US" smtClean="0"/>
               <a:t>Click to edit Master title style</a:t>
             </a:r>
             <a:endParaRPr lang="en-US" dirty="0"/>
@@ -3761,35 +3790,35 @@
           <a:p>
             <a:pPr lvl="0"/>
             <a:r>
-              <a:rPr lang="en-US"/>
+              <a:rPr lang="en-US" smtClean="0"/>
               <a:t>Edit Master text styles</a:t>
             </a:r>
           </a:p>
           <a:p>
             <a:pPr lvl="1"/>
             <a:r>
-              <a:rPr lang="en-US"/>
+              <a:rPr lang="en-US" smtClean="0"/>
               <a:t>Second level</a:t>
             </a:r>
           </a:p>
           <a:p>
             <a:pPr lvl="2"/>
             <a:r>
-              <a:rPr lang="en-US"/>
+              <a:rPr lang="en-US" smtClean="0"/>
               <a:t>Third level</a:t>
             </a:r>
           </a:p>
           <a:p>
             <a:pPr lvl="3"/>
             <a:r>
-              <a:rPr lang="en-US"/>
+              <a:rPr lang="en-US" smtClean="0"/>
               <a:t>Fourth level</a:t>
             </a:r>
           </a:p>
           <a:p>
             <a:pPr lvl="4"/>
             <a:r>
-              <a:rPr lang="en-US"/>
+              <a:rPr lang="en-US" smtClean="0"/>
               <a:t>Fifth level</a:t>
             </a:r>
             <a:endParaRPr lang="en-US" dirty="0"/>
@@ -3829,7 +3858,7 @@
           <a:p>
             <a:fld id="{1D8BD707-D9CF-40AE-B4C6-C98DA3205C09}" type="datetimeFigureOut">
               <a:rPr lang="en-US" smtClean="0"/>
-              <a:t>9/9/2024</a:t>
+              <a:t>9/10/2024</a:t>
             </a:fld>
             <a:endParaRPr lang="en-US"/>
           </a:p>
@@ -4651,6 +4680,16 @@
               </a:rPr>
               <a:t> </a:t>
             </a:r>
+            <a:r>
+              <a:rPr lang="en-US" sz="4000" b="1" i="0" dirty="0">
+                <a:solidFill>
+                  <a:srgbClr val="0F0F0F"/>
+                </a:solidFill>
+                <a:effectLst/>
+                <a:latin typeface="Roboto" panose="020F0502020204030204" pitchFamily="2" charset="0"/>
+              </a:rPr>
+              <a:t/>
+            </a:r>
             <a:br>
               <a:rPr lang="en-US" sz="4000" b="1" i="0" dirty="0">
                 <a:solidFill>
@@ -4738,7 +4777,7 @@
         <p:spPr>
           <a:xfrm>
             <a:off x="2588461" y="2504711"/>
-            <a:ext cx="8610600" cy="2308324"/>
+            <a:ext cx="8610600" cy="2677656"/>
           </a:xfrm>
           <a:prstGeom prst="rect">
             <a:avLst/>
@@ -4753,32 +4792,58 @@
           <a:p>
             <a:r>
               <a:rPr lang="en-US" sz="2400" dirty="0"/>
-              <a:t>STUDENT NAME:R.S.KANNAN</a:t>
-            </a:r>
+              <a:t>STUDENT </a:t>
+            </a:r>
+            <a:r>
+              <a:rPr lang="en-US" sz="2400" dirty="0" smtClean="0"/>
+              <a:t>NAME:R.S.KANNAN</a:t>
+            </a:r>
+            <a:endParaRPr lang="en-US" sz="2400" dirty="0"/>
           </a:p>
           <a:p>
             <a:r>
               <a:rPr lang="en-US" sz="2400" dirty="0"/>
-              <a:t>REGISTER NO:312201163</a:t>
-            </a:r>
-          </a:p>
-          <a:p>
+              <a:t>REGISTER </a:t>
+            </a:r>
+            <a:r>
+              <a:rPr lang="en-US" sz="2400" dirty="0" smtClean="0"/>
+              <a:t>NO:312201163</a:t>
+            </a:r>
+          </a:p>
+          <a:p>
+            <a:r>
+              <a:rPr lang="en-US" sz="2400" dirty="0" smtClean="0"/>
+              <a:t>NAAN </a:t>
+            </a:r>
             <a:r>
               <a:rPr lang="en-US" sz="2400" dirty="0"/>
-              <a:t>NAAN MUDHALVAN USERNAME:asunm110312201163</a:t>
-            </a:r>
-          </a:p>
-          <a:p>
-            <a:r>
-              <a:rPr lang="en-US" sz="2400" dirty="0"/>
+              <a:t>MUDHALVAN </a:t>
+            </a:r>
+            <a:r>
+              <a:rPr lang="en-US" sz="2400" dirty="0" smtClean="0"/>
+              <a:t>USERNAME:asunm110312201163</a:t>
+            </a:r>
+          </a:p>
+          <a:p>
+            <a:r>
+              <a:rPr lang="en-US" sz="2400"/>
+              <a:t>NAAN MUDHALVAN ID:301A25241C15348A7ED4E95FF6A2D40E</a:t>
+            </a:r>
+            <a:endParaRPr lang="en-US" sz="2400" dirty="0"/>
+          </a:p>
+          <a:p>
+            <a:r>
+              <a:rPr lang="en-US" sz="2400" dirty="0" smtClean="0"/>
               <a:t>DEPARTMENT:B.COM BANK MANAGEMENT</a:t>
             </a:r>
-          </a:p>
-          <a:p>
-            <a:r>
-              <a:rPr lang="en-US" sz="2400" dirty="0"/>
+            <a:endParaRPr lang="en-US" sz="2400" dirty="0"/>
+          </a:p>
+          <a:p>
+            <a:r>
+              <a:rPr lang="en-US" sz="2400" dirty="0" smtClean="0"/>
               <a:t>COLLEGE:DRBCCC HINDU COLLEGE </a:t>
             </a:r>
+            <a:endParaRPr lang="en-US" sz="2400" dirty="0"/>
           </a:p>
           <a:p>
             <a:r>
@@ -5570,7 +5635,7 @@
           <a:lstStyle/>
           <a:p>
             <a:r>
-              <a:rPr lang="en-US" dirty="0"/>
+              <a:rPr lang="en-US" dirty="0" smtClean="0"/>
               <a:t>conclusion</a:t>
             </a:r>
             <a:endParaRPr lang="en-IN" dirty="0"/>
@@ -5595,7 +5660,7 @@
           <a:lstStyle/>
           <a:p>
             <a:r>
-              <a:rPr lang="en-US" sz="3200" i="1" dirty="0">
+              <a:rPr lang="en-US" sz="3200" i="1" dirty="0" smtClean="0">
                 <a:solidFill>
                   <a:schemeClr val="tx1"/>
                 </a:solidFill>
@@ -5603,7 +5668,7 @@
               <a:t>This analysis will help to know the company about the workforce of the company department wise so that they can have a complete record of the peoples count in the company and do all the </a:t>
             </a:r>
             <a:r>
-              <a:rPr lang="en-US" sz="3200" i="1" dirty="0" err="1">
+              <a:rPr lang="en-US" sz="3200" i="1" dirty="0" err="1" smtClean="0">
                 <a:solidFill>
                   <a:schemeClr val="tx1"/>
                 </a:solidFill>
@@ -5611,7 +5676,7 @@
               <a:t>necesary</a:t>
             </a:r>
             <a:r>
-              <a:rPr lang="en-US" sz="3200" i="1" dirty="0">
+              <a:rPr lang="en-US" sz="3200" i="1" dirty="0" smtClean="0">
                 <a:solidFill>
                   <a:schemeClr val="tx1"/>
                 </a:solidFill>
@@ -5679,17 +5744,25 @@
           <a:lstStyle/>
           <a:p>
             <a:r>
+              <a:rPr lang="en-US" dirty="0" smtClean="0"/>
+              <a:t>PROJECT TITLE</a:t>
+            </a:r>
+            <a:br>
+              <a:rPr lang="en-US" dirty="0" smtClean="0"/>
+            </a:br>
+            <a:r>
               <a:rPr lang="en-US" dirty="0"/>
-              <a:t>PROJECT TITLE</a:t>
+              <a:t/>
             </a:r>
             <a:br>
               <a:rPr lang="en-US" dirty="0"/>
             </a:br>
+            <a:r>
+              <a:rPr lang="en-US" dirty="0" smtClean="0"/>
+              <a:t/>
+            </a:r>
             <a:br>
-              <a:rPr lang="en-US" dirty="0"/>
-            </a:br>
-            <a:br>
-              <a:rPr lang="en-US" dirty="0"/>
+              <a:rPr lang="en-US" dirty="0" smtClean="0"/>
             </a:br>
             <a:r>
               <a:rPr lang="en-US" b="1" dirty="0">
@@ -5699,7 +5772,37 @@
                 <a:latin typeface="Times New Roman" panose="02020603050405020304" pitchFamily="18" charset="0"/>
                 <a:cs typeface="Times New Roman" panose="02020603050405020304" pitchFamily="18" charset="0"/>
               </a:rPr>
-              <a:t>Employee workforce Analysis using Excel</a:t>
+              <a:t>Employee </a:t>
+            </a:r>
+            <a:r>
+              <a:rPr lang="en-US" b="1" dirty="0" smtClean="0">
+                <a:solidFill>
+                  <a:srgbClr val="0F0F0F"/>
+                </a:solidFill>
+                <a:latin typeface="Times New Roman" panose="02020603050405020304" pitchFamily="18" charset="0"/>
+                <a:cs typeface="Times New Roman" panose="02020603050405020304" pitchFamily="18" charset="0"/>
+              </a:rPr>
+              <a:t>workforce </a:t>
+            </a:r>
+            <a:r>
+              <a:rPr lang="en-US" b="1" dirty="0">
+                <a:solidFill>
+                  <a:srgbClr val="0F0F0F"/>
+                </a:solidFill>
+                <a:latin typeface="Times New Roman" panose="02020603050405020304" pitchFamily="18" charset="0"/>
+                <a:cs typeface="Times New Roman" panose="02020603050405020304" pitchFamily="18" charset="0"/>
+              </a:rPr>
+              <a:t>Analysis using Excel</a:t>
+            </a:r>
+            <a:r>
+              <a:rPr lang="en-IN" sz="3200" dirty="0">
+                <a:solidFill>
+                  <a:srgbClr val="7030A0"/>
+                </a:solidFill>
+                <a:latin typeface="Times New Roman" panose="02020603050405020304" pitchFamily="18" charset="0"/>
+                <a:cs typeface="Times New Roman" panose="02020603050405020304" pitchFamily="18" charset="0"/>
+              </a:rPr>
+              <a:t/>
             </a:r>
             <a:br>
               <a:rPr lang="en-IN" sz="3200" dirty="0">
@@ -5760,7 +5863,7 @@
           <a:lstStyle/>
           <a:p>
             <a:r>
-              <a:rPr lang="en-US" dirty="0"/>
+              <a:rPr lang="en-US" dirty="0" smtClean="0"/>
               <a:t>AGENDA</a:t>
             </a:r>
             <a:endParaRPr lang="en-IN" dirty="0"/>
@@ -5899,7 +6002,7 @@
               <a:buAutoNum type="arabicPeriod"/>
             </a:pPr>
             <a:r>
-              <a:rPr lang="en-US" dirty="0">
+              <a:rPr lang="en-US" dirty="0" smtClean="0">
                 <a:solidFill>
                   <a:srgbClr val="0D0D0D"/>
                 </a:solidFill>
@@ -5908,6 +6011,13 @@
               </a:rPr>
               <a:t>Conclusion</a:t>
             </a:r>
+            <a:endParaRPr lang="en-US" dirty="0">
+              <a:solidFill>
+                <a:srgbClr val="0D0D0D"/>
+              </a:solidFill>
+              <a:latin typeface="Times New Roman" panose="02020603050405020304" pitchFamily="18" charset="0"/>
+              <a:cs typeface="Times New Roman" panose="02020603050405020304" pitchFamily="18" charset="0"/>
+            </a:endParaRPr>
           </a:p>
         </p:txBody>
       </p:sp>
@@ -6165,51 +6275,51 @@
               </a:tabLst>
             </a:pPr>
             <a:r>
-              <a:rPr sz="4250" spc="-20" dirty="0"/>
+              <a:rPr sz="4250" spc="-20" dirty="0" smtClean="0"/>
               <a:t>P</a:t>
             </a:r>
             <a:r>
-              <a:rPr sz="4250" spc="15" dirty="0"/>
+              <a:rPr sz="4250" spc="15" dirty="0" smtClean="0"/>
               <a:t>ROB</a:t>
             </a:r>
             <a:r>
-              <a:rPr sz="4250" spc="55" dirty="0"/>
+              <a:rPr sz="4250" spc="55" dirty="0" smtClean="0"/>
               <a:t>L</a:t>
             </a:r>
             <a:r>
-              <a:rPr sz="4250" spc="-20" dirty="0"/>
+              <a:rPr sz="4250" spc="-20" dirty="0" smtClean="0"/>
               <a:t>E</a:t>
             </a:r>
             <a:r>
-              <a:rPr lang="en-US" sz="4250" spc="20" dirty="0"/>
+              <a:rPr lang="en-US" sz="4250" spc="20" dirty="0" smtClean="0"/>
               <a:t>M </a:t>
             </a:r>
             <a:r>
-              <a:rPr sz="4250" spc="10" dirty="0"/>
+              <a:rPr sz="4250" spc="10" dirty="0" smtClean="0"/>
               <a:t>S</a:t>
             </a:r>
             <a:r>
-              <a:rPr sz="4250" spc="-370" dirty="0"/>
+              <a:rPr sz="4250" spc="-370" dirty="0" smtClean="0"/>
               <a:t>T</a:t>
             </a:r>
             <a:r>
-              <a:rPr sz="4250" spc="-375" dirty="0"/>
+              <a:rPr sz="4250" spc="-375" dirty="0" smtClean="0"/>
               <a:t>A</a:t>
             </a:r>
             <a:r>
-              <a:rPr sz="4250" spc="15" dirty="0"/>
+              <a:rPr sz="4250" spc="15" dirty="0" smtClean="0"/>
               <a:t>T</a:t>
             </a:r>
             <a:r>
-              <a:rPr sz="4250" spc="-10" dirty="0"/>
+              <a:rPr sz="4250" spc="-10" dirty="0" smtClean="0"/>
               <a:t>E</a:t>
             </a:r>
             <a:r>
-              <a:rPr sz="4250" spc="-20" dirty="0"/>
+              <a:rPr sz="4250" spc="-20" dirty="0" smtClean="0"/>
               <a:t>ME</a:t>
             </a:r>
             <a:r>
-              <a:rPr sz="4250" spc="10" dirty="0"/>
+              <a:rPr sz="4250" spc="10" dirty="0" smtClean="0"/>
               <a:t>NT</a:t>
             </a:r>
             <a:endParaRPr sz="4250" dirty="0"/>
@@ -6250,7 +6360,7 @@
               </a:spcBef>
             </a:pPr>
             <a:r>
-              <a:rPr lang="en-US" sz="4000" i="1" spc="10" dirty="0">
+              <a:rPr lang="en-US" sz="4000" i="1" spc="10" dirty="0" smtClean="0">
                 <a:solidFill>
                   <a:schemeClr val="tx1"/>
                 </a:solidFill>
@@ -6514,15 +6624,15 @@
               </a:tabLst>
             </a:pPr>
             <a:r>
-              <a:rPr sz="4250" spc="5" dirty="0"/>
+              <a:rPr sz="4250" spc="5" dirty="0" smtClean="0"/>
               <a:t>PROJECT</a:t>
             </a:r>
             <a:r>
-              <a:rPr lang="en-US" sz="4250" spc="5" dirty="0"/>
+              <a:rPr lang="en-US" sz="4250" spc="5" dirty="0" smtClean="0"/>
               <a:t> </a:t>
             </a:r>
             <a:r>
-              <a:rPr sz="4250" spc="-20" dirty="0"/>
+              <a:rPr sz="4250" spc="-20" dirty="0" smtClean="0"/>
               <a:t>OVERVIEW</a:t>
             </a:r>
             <a:endParaRPr sz="4250" dirty="0"/>
@@ -6601,7 +6711,23 @@
             </a:pPr>
             <a:r>
               <a:rPr lang="en-US" sz="2400" i="1" spc="10" dirty="0"/>
-              <a:t>This project is analysis of number of workers in the company so that the company would be able to find out the total workforce of the department wise to the types of employees workers in a company.</a:t>
+              <a:t>This project is analysis of number of workers in the company so that the company would be able to find out the total workforce of the </a:t>
+            </a:r>
+            <a:r>
+              <a:rPr lang="en-US" sz="2400" i="1" spc="10" dirty="0" smtClean="0"/>
+              <a:t>department wise </a:t>
+            </a:r>
+            <a:r>
+              <a:rPr lang="en-US" sz="2400" i="1" spc="10" dirty="0"/>
+              <a:t>to the </a:t>
+            </a:r>
+            <a:r>
+              <a:rPr lang="en-US" sz="2400" i="1" spc="10" dirty="0" smtClean="0"/>
+              <a:t>types of employees </a:t>
+            </a:r>
+            <a:r>
+              <a:rPr lang="en-US" sz="2400" i="1" spc="10" dirty="0"/>
+              <a:t>workers in a company.</a:t>
             </a:r>
           </a:p>
         </p:txBody>
@@ -6953,7 +7079,39 @@
                   <a:schemeClr val="tx1"/>
                 </a:solidFill>
               </a:rPr>
-              <a:t>This analysis helps to find out the workforce of the company with number types of workers in the company with accurate data.</a:t>
+              <a:t>This analysis helps to find out the </a:t>
+            </a:r>
+            <a:r>
+              <a:rPr lang="en-US" sz="2800" i="1" spc="10" dirty="0" smtClean="0">
+                <a:solidFill>
+                  <a:schemeClr val="tx1"/>
+                </a:solidFill>
+              </a:rPr>
+              <a:t>workforce of the company </a:t>
+            </a:r>
+            <a:r>
+              <a:rPr lang="en-US" sz="2800" i="1" spc="10" dirty="0">
+                <a:solidFill>
+                  <a:schemeClr val="tx1"/>
+                </a:solidFill>
+              </a:rPr>
+              <a:t>with </a:t>
+            </a:r>
+            <a:r>
+              <a:rPr lang="en-US" sz="2800" i="1" spc="10" dirty="0" smtClean="0">
+                <a:solidFill>
+                  <a:schemeClr val="tx1"/>
+                </a:solidFill>
+              </a:rPr>
+              <a:t>number types of workers in the company with </a:t>
+            </a:r>
+            <a:r>
+              <a:rPr lang="en-US" sz="2800" i="1" spc="10" dirty="0">
+                <a:solidFill>
+                  <a:schemeClr val="tx1"/>
+                </a:solidFill>
+              </a:rPr>
+              <a:t>accurate data.</a:t>
             </a:r>
           </a:p>
           <a:p>
@@ -6970,7 +7128,23 @@
                   <a:schemeClr val="tx1"/>
                 </a:solidFill>
               </a:rPr>
-              <a:t>By this they can analyze the work force of the company </a:t>
+              <a:t>By this they can analyze </a:t>
+            </a:r>
+            <a:r>
+              <a:rPr lang="en-US" sz="2800" i="1" spc="10" dirty="0" smtClean="0">
+                <a:solidFill>
+                  <a:schemeClr val="tx1"/>
+                </a:solidFill>
+              </a:rPr>
+              <a:t>the work force of </a:t>
+            </a:r>
+            <a:r>
+              <a:rPr lang="en-US" sz="2800" i="1" spc="10" dirty="0">
+                <a:solidFill>
+                  <a:schemeClr val="tx1"/>
+                </a:solidFill>
+              </a:rPr>
+              <a:t>the company </a:t>
             </a:r>
           </a:p>
           <a:p>
@@ -7400,12 +7574,20 @@
               <a:buAutoNum type="arabicPeriod"/>
             </a:pPr>
             <a:r>
+              <a:rPr lang="en-US" sz="2000" b="1" i="1" spc="10" dirty="0" smtClean="0">
+                <a:solidFill>
+                  <a:schemeClr val="tx1"/>
+                </a:solidFill>
+              </a:rPr>
+              <a:t>Conditional </a:t>
+            </a:r>
+            <a:r>
               <a:rPr lang="en-US" sz="2000" b="1" i="1" spc="10" dirty="0">
                 <a:solidFill>
                   <a:schemeClr val="tx1"/>
                 </a:solidFill>
               </a:rPr>
-              <a:t>Conditional formatting : - missing values </a:t>
+              <a:t>formatting : - missing values </a:t>
             </a:r>
           </a:p>
           <a:p>
@@ -7420,12 +7602,20 @@
               <a:buAutoNum type="arabicPeriod"/>
             </a:pPr>
             <a:r>
+              <a:rPr lang="en-US" sz="2000" b="1" i="1" spc="10" dirty="0" smtClean="0">
+                <a:solidFill>
+                  <a:schemeClr val="tx1"/>
+                </a:solidFill>
+              </a:rPr>
+              <a:t>filter </a:t>
+            </a:r>
+            <a:r>
               <a:rPr lang="en-US" sz="2000" b="1" i="1" spc="10" dirty="0">
                 <a:solidFill>
                   <a:schemeClr val="tx1"/>
                 </a:solidFill>
               </a:rPr>
-              <a:t>filter remove </a:t>
+              <a:t>remove </a:t>
             </a:r>
           </a:p>
           <a:p>
@@ -7551,7 +7741,7 @@
           <a:lstStyle/>
           <a:p>
             <a:r>
-              <a:rPr lang="en-US" dirty="0"/>
+              <a:rPr lang="en-US" dirty="0" smtClean="0"/>
               <a:t>Dataset description</a:t>
             </a:r>
             <a:endParaRPr lang="en-IN" dirty="0"/>
@@ -7579,10 +7769,16 @@
               <a:buNone/>
             </a:pPr>
             <a:r>
+              <a:rPr lang="en-IN" sz="3600" b="1" i="1" dirty="0" smtClean="0">
+                <a:cs typeface="Arial" panose="020B0604020202020204" pitchFamily="34" charset="0"/>
+              </a:rPr>
+              <a:t>Employee </a:t>
+            </a:r>
+            <a:r>
               <a:rPr lang="en-IN" sz="3600" b="1" i="1" dirty="0">
                 <a:cs typeface="Arial" panose="020B0604020202020204" pitchFamily="34" charset="0"/>
               </a:rPr>
-              <a:t>Employee data- </a:t>
+              <a:t>data- </a:t>
             </a:r>
             <a:r>
               <a:rPr lang="en-IN" sz="3600" b="1" i="1" dirty="0" err="1">
@@ -7602,10 +7798,16 @@
               </a:rPr>
             </a:br>
             <a:r>
+              <a:rPr lang="en-IN" sz="3600" b="1" i="1" dirty="0" smtClean="0">
+                <a:cs typeface="Arial" panose="020B0604020202020204" pitchFamily="34" charset="0"/>
+              </a:rPr>
+              <a:t>total </a:t>
+            </a:r>
+            <a:r>
               <a:rPr lang="en-IN" sz="3600" b="1" i="1" dirty="0">
                 <a:cs typeface="Arial" panose="020B0604020202020204" pitchFamily="34" charset="0"/>
               </a:rPr>
-              <a:t>total 9 features from a to h</a:t>
+              <a:t>9 features from a to h</a:t>
             </a:r>
             <a:br>
               <a:rPr lang="en-IN" sz="3600" b="1" i="1" dirty="0">
@@ -7613,10 +7815,22 @@
               </a:rPr>
             </a:br>
             <a:r>
+              <a:rPr lang="en-IN" sz="3600" b="1" i="1" dirty="0" smtClean="0">
+                <a:cs typeface="Arial" panose="020B0604020202020204" pitchFamily="34" charset="0"/>
+              </a:rPr>
+              <a:t>3 features </a:t>
+            </a:r>
+            <a:r>
               <a:rPr lang="en-IN" sz="3600" b="1" i="1" dirty="0">
                 <a:cs typeface="Arial" panose="020B0604020202020204" pitchFamily="34" charset="0"/>
               </a:rPr>
-              <a:t>3 features were taken</a:t>
+              <a:t>were </a:t>
+            </a:r>
+            <a:r>
+              <a:rPr lang="en-IN" sz="3600" b="1" i="1" dirty="0" smtClean="0">
+                <a:cs typeface="Arial" panose="020B0604020202020204" pitchFamily="34" charset="0"/>
+              </a:rPr>
+              <a:t>taken</a:t>
             </a:r>
           </a:p>
           <a:p>
@@ -7624,10 +7838,16 @@
               <a:buNone/>
             </a:pPr>
             <a:r>
+              <a:rPr lang="en-IN" sz="3600" b="1" i="1" dirty="0" smtClean="0">
+                <a:cs typeface="Arial" panose="020B0604020202020204" pitchFamily="34" charset="0"/>
+              </a:rPr>
+              <a:t>Name-text</a:t>
+            </a:r>
+            <a:r>
               <a:rPr lang="en-IN" sz="3600" b="1" i="1" dirty="0">
                 <a:cs typeface="Arial" panose="020B0604020202020204" pitchFamily="34" charset="0"/>
               </a:rPr>
-              <a:t>Name-text</a:t>
+              <a:t/>
             </a:r>
             <a:br>
               <a:rPr lang="en-IN" sz="3600" b="1" i="1" dirty="0">
@@ -7635,18 +7855,18 @@
               </a:rPr>
             </a:br>
             <a:r>
-              <a:rPr lang="en-IN" sz="3600" b="1" i="1" dirty="0">
+              <a:rPr lang="en-IN" sz="3600" b="1" i="1" dirty="0" smtClean="0">
                 <a:cs typeface="Arial" panose="020B0604020202020204" pitchFamily="34" charset="0"/>
               </a:rPr>
               <a:t>employee type-text </a:t>
             </a:r>
             <a:br>
-              <a:rPr lang="en-IN" sz="3600" b="1" i="1" dirty="0">
+              <a:rPr lang="en-IN" sz="3600" b="1" i="1" dirty="0" smtClean="0">
                 <a:cs typeface="Arial" panose="020B0604020202020204" pitchFamily="34" charset="0"/>
               </a:rPr>
             </a:br>
             <a:r>
-              <a:rPr lang="en-IN" sz="3600" b="1" i="1" dirty="0">
+              <a:rPr lang="en-IN" sz="3600" b="1" i="1" dirty="0" smtClean="0">
                 <a:cs typeface="Arial" panose="020B0604020202020204" pitchFamily="34" charset="0"/>
               </a:rPr>
               <a:t>department-text</a:t>
@@ -7657,7 +7877,7 @@
               <a:buNone/>
             </a:pPr>
             <a:r>
-              <a:rPr lang="en-IN" sz="3600" b="1" i="1" dirty="0">
+              <a:rPr lang="en-IN" sz="3600" b="1" i="1" dirty="0" smtClean="0">
                 <a:cs typeface="Arial" panose="020B0604020202020204" pitchFamily="34" charset="0"/>
               </a:rPr>
               <a:t> </a:t>
@@ -8198,7 +8418,7 @@
           <a:p>
             <a:pPr algn="l"/>
             <a:r>
-              <a:rPr lang="en-US" sz="2800" dirty="0">
+              <a:rPr lang="en-US" sz="2800" dirty="0" smtClean="0">
                 <a:latin typeface="Times New Roman" panose="02020603050405020304" pitchFamily="18" charset="0"/>
                 <a:cs typeface="Times New Roman" panose="02020603050405020304" pitchFamily="18" charset="0"/>
               </a:rPr>
